--- a/final/doc/GETS项目答辩ppt.pptx
+++ b/final/doc/GETS项目答辩ppt.pptx
@@ -9439,24 +9439,7 @@
                 <a:ea typeface="微软雅黑" panose="020B0503020204020204" pitchFamily="34" charset="-122"/>
                 <a:cs typeface="+mn-cs"/>
               </a:rPr>
-              <a:t>查找与</a:t>
-            </a:r>
-            <a:r>
-              <a:rPr kumimoji="0" lang="zh-CN" altLang="en-US" sz="1400" b="1" i="0" u="none" strike="noStrike" kern="1200" cap="none" spc="0" normalizeH="0" baseline="0" noProof="0" dirty="0">
-                <a:ln>
-                  <a:noFill/>
-                </a:ln>
-                <a:solidFill>
-                  <a:sysClr val="windowText" lastClr="000000"/>
-                </a:solidFill>
-                <a:effectLst/>
-                <a:uLnTx/>
-                <a:uFillTx/>
-                <a:latin typeface="微软雅黑" panose="020B0503020204020204" pitchFamily="34" charset="-122"/>
-                <a:ea typeface="微软雅黑" panose="020B0503020204020204" pitchFamily="34" charset="-122"/>
-                <a:cs typeface="+mn-cs"/>
-              </a:rPr>
-              <a:t>识别过程</a:t>
+              <a:t>查找与识别过程</a:t>
             </a:r>
             <a:endParaRPr kumimoji="0" lang="zh-CN" altLang="en-US" sz="1400" b="1" i="0" u="none" strike="noStrike" kern="1200" cap="none" spc="0" normalizeH="0" baseline="0" noProof="0" dirty="0">
               <a:ln>
@@ -12097,11 +12080,7 @@
             <a:pPr algn="l"/>
             <a:r>
               <a:rPr lang="zh-CN" altLang="en-US" b="1" dirty="0"/>
-              <a:t>具体</a:t>
-            </a:r>
-            <a:r>
-              <a:rPr lang="zh-CN" altLang="en-US" b="1" dirty="0"/>
-              <a:t>步骤：</a:t>
+              <a:t>具体步骤：</a:t>
             </a:r>
             <a:endParaRPr lang="zh-CN" altLang="en-US" dirty="0"/>
           </a:p>
@@ -12981,8 +12960,8 @@
           </a:prstGeom>
           <a:solidFill>
             <a:schemeClr val="accent6">
-              <a:satOff val="-15804"/>
-              <a:lumOff val="-17553"/>
+              <a:satOff val="-15803"/>
+              <a:lumOff val="-17552"/>
             </a:schemeClr>
           </a:solidFill>
           <a:ln w="12700">
@@ -13029,8 +13008,8 @@
           </a:prstGeom>
           <a:solidFill>
             <a:schemeClr val="accent6">
-              <a:satOff val="-15804"/>
-              <a:lumOff val="-17553"/>
+              <a:satOff val="-15803"/>
+              <a:lumOff val="-17552"/>
             </a:schemeClr>
           </a:solidFill>
           <a:ln w="12700">
@@ -13077,8 +13056,8 @@
           </a:prstGeom>
           <a:solidFill>
             <a:schemeClr val="accent6">
-              <a:satOff val="-15804"/>
-              <a:lumOff val="-17553"/>
+              <a:satOff val="-15803"/>
+              <a:lumOff val="-17552"/>
             </a:schemeClr>
           </a:solidFill>
           <a:ln w="12700">
@@ -18384,18 +18363,7 @@
                 <a:ea typeface="微软雅黑" panose="020B0503020204020204" pitchFamily="34" charset="-122"/>
                 <a:sym typeface="Arial" panose="020B0604020202020204" pitchFamily="34" charset="0"/>
               </a:rPr>
-              <a:t>模块的整合与平台间</a:t>
-            </a:r>
-            <a:r>
-              <a:rPr lang="zh-CN" altLang="en-US" sz="1600" b="1" dirty="0">
-                <a:solidFill>
-                  <a:prstClr val="black"/>
-                </a:solidFill>
-                <a:latin typeface="微软雅黑" panose="020B0503020204020204" pitchFamily="34" charset="-122"/>
-                <a:ea typeface="微软雅黑" panose="020B0503020204020204" pitchFamily="34" charset="-122"/>
-                <a:sym typeface="Arial" panose="020B0604020202020204" pitchFamily="34" charset="0"/>
-              </a:rPr>
-              <a:t>转移</a:t>
+              <a:t>模块的整合与平台间转移</a:t>
             </a:r>
             <a:endParaRPr lang="zh-CN" altLang="en-US" sz="1600" b="1" dirty="0">
               <a:solidFill>
@@ -28513,7 +28481,7 @@
         </p:blipFill>
         <p:spPr>
           <a:xfrm>
-            <a:off x="1322226" y="1790212"/>
+            <a:off x="1258726" y="1631462"/>
             <a:ext cx="5300210" cy="4562282"/>
           </a:xfrm>
           <a:prstGeom prst="rect">
@@ -28531,7 +28499,7 @@
         </p:nvSpPr>
         <p:spPr bwMode="auto">
           <a:xfrm>
-            <a:off x="7466698" y="2442740"/>
+            <a:off x="7387323" y="2252240"/>
             <a:ext cx="973264" cy="973136"/>
           </a:xfrm>
           <a:prstGeom prst="ellipse">
@@ -28599,7 +28567,7 @@
         </p:nvSpPr>
         <p:spPr bwMode="auto">
           <a:xfrm>
-            <a:off x="7466698" y="4293445"/>
+            <a:off x="7387323" y="4102945"/>
             <a:ext cx="973264" cy="973136"/>
           </a:xfrm>
           <a:prstGeom prst="ellipse">
@@ -28665,7 +28633,7 @@
         </p:nvSpPr>
         <p:spPr>
           <a:xfrm>
-            <a:off x="8679427" y="2667698"/>
+            <a:off x="8600052" y="2477198"/>
             <a:ext cx="2613412" cy="737235"/>
           </a:xfrm>
           <a:prstGeom prst="rect">
@@ -28709,7 +28677,7 @@
         </p:nvSpPr>
         <p:spPr>
           <a:xfrm>
-            <a:off x="8679427" y="4518403"/>
+            <a:off x="8600052" y="4327903"/>
             <a:ext cx="2613412" cy="737235"/>
           </a:xfrm>
           <a:prstGeom prst="rect">
@@ -28735,23 +28703,7 @@
                 <a:ea typeface="微软雅黑" panose="020B0503020204020204" pitchFamily="34" charset="-122"/>
                 <a:sym typeface="Arial" panose="020B0604020202020204" pitchFamily="34" charset="0"/>
               </a:rPr>
-              <a:t>查找识别功能健全，</a:t>
-            </a:r>
-            <a:r>
-              <a:rPr lang="zh-CN" altLang="en-US" sz="1400" dirty="0">
-                <a:latin typeface="Arial" panose="020B0604020202020204" pitchFamily="34" charset="0"/>
-                <a:ea typeface="微软雅黑" panose="020B0503020204020204" pitchFamily="34" charset="-122"/>
-                <a:sym typeface="Arial" panose="020B0604020202020204" pitchFamily="34" charset="0"/>
-              </a:rPr>
-              <a:t>成功率可观；</a:t>
-            </a:r>
-            <a:r>
-              <a:rPr lang="zh-CN" altLang="en-US" sz="1400" dirty="0">
-                <a:latin typeface="Arial" panose="020B0604020202020204" pitchFamily="34" charset="0"/>
-                <a:ea typeface="微软雅黑" panose="020B0503020204020204" pitchFamily="34" charset="-122"/>
-                <a:sym typeface="Arial" panose="020B0604020202020204" pitchFamily="34" charset="0"/>
-              </a:rPr>
-              <a:t>系统设计与架构完善，健壮性和可拓展性高。</a:t>
+              <a:t>查找识别功能健全，成功率可观；系统设计与架构完善，健壮性和可拓展性高。</a:t>
             </a:r>
             <a:endParaRPr lang="zh-CN" altLang="en-US" sz="1400" dirty="0">
               <a:latin typeface="Arial" panose="020B0604020202020204" pitchFamily="34" charset="0"/>
@@ -28777,7 +28729,7 @@
         </p:blipFill>
         <p:spPr>
           <a:xfrm>
-            <a:off x="2023110" y="2667635"/>
+            <a:off x="1943735" y="2477135"/>
             <a:ext cx="3885565" cy="2390775"/>
           </a:xfrm>
           <a:prstGeom prst="rect">
@@ -30720,18 +30672,7 @@
                   <a:ea typeface="微软雅黑" panose="020B0503020204020204" pitchFamily="34" charset="-122"/>
                   <a:sym typeface="Arial" panose="020B0604020202020204" pitchFamily="34" charset="0"/>
                 </a:rPr>
-                <a:t>持续化交付与部署，更</a:t>
-              </a:r>
-              <a:r>
-                <a:rPr lang="zh-CN" altLang="en-US" sz="1400" dirty="0">
-                  <a:solidFill>
-                    <a:schemeClr val="bg1"/>
-                  </a:solidFill>
-                  <a:latin typeface="Arial" panose="020B0604020202020204" pitchFamily="34" charset="0"/>
-                  <a:ea typeface="微软雅黑" panose="020B0503020204020204" pitchFamily="34" charset="-122"/>
-                  <a:sym typeface="Arial" panose="020B0604020202020204" pitchFamily="34" charset="0"/>
-                </a:rPr>
-                <a:t>便于开发</a:t>
+                <a:t>持续化交付与部署，更便于开发</a:t>
               </a:r>
               <a:endParaRPr lang="zh-CN" altLang="en-US" sz="1400" dirty="0">
                 <a:solidFill>
@@ -35055,18 +34996,7 @@
                     <a:ea typeface="微软雅黑" panose="020B0503020204020204" pitchFamily="34" charset="-122"/>
                     <a:sym typeface="Arial" panose="020B0604020202020204" pitchFamily="34" charset="0"/>
                   </a:rPr>
-                  <a:t>进行集群管理，使服务的线上部署机制</a:t>
-                </a:r>
-                <a:r>
-                  <a:rPr lang="zh-CN" altLang="en-US" sz="1400" dirty="0">
-                    <a:solidFill>
-                      <a:schemeClr val="bg1"/>
-                    </a:solidFill>
-                    <a:latin typeface="Arial" panose="020B0604020202020204" pitchFamily="34" charset="0"/>
-                    <a:ea typeface="微软雅黑" panose="020B0503020204020204" pitchFamily="34" charset="-122"/>
-                    <a:sym typeface="Arial" panose="020B0604020202020204" pitchFamily="34" charset="0"/>
-                  </a:rPr>
-                  <a:t>更健全</a:t>
+                  <a:t>进行集群管理，使服务的线上部署机制更健全</a:t>
                 </a:r>
                 <a:endParaRPr lang="zh-CN" altLang="en-US" sz="1400" dirty="0">
                   <a:solidFill>
@@ -37468,14 +37398,7 @@
                 <a:latin typeface="微软雅黑" panose="020B0503020204020204" pitchFamily="34" charset="-122"/>
                 <a:ea typeface="微软雅黑" panose="020B0503020204020204" pitchFamily="34" charset="-122"/>
               </a:rPr>
-              <a:t>剩余部分</a:t>
-            </a:r>
-            <a:r>
-              <a:rPr lang="zh-CN" altLang="en-US" dirty="0">
-                <a:latin typeface="微软雅黑" panose="020B0503020204020204" pitchFamily="34" charset="-122"/>
-                <a:ea typeface="微软雅黑" panose="020B0503020204020204" pitchFamily="34" charset="-122"/>
-              </a:rPr>
-              <a:t>视图</a:t>
+              <a:t>剩余部分视图</a:t>
             </a:r>
             <a:endParaRPr lang="zh-CN" altLang="en-US" dirty="0">
               <a:latin typeface="微软雅黑" panose="020B0503020204020204" pitchFamily="34" charset="-122"/>
